--- a/PPT/6 磁盘管理.pptx
+++ b/PPT/6 磁盘管理.pptx
@@ -139,7 +139,7 @@
   </p:defaultTextStyle>
   <p:extLst>
     <p:ext uri="{EFAFB233-063F-42B5-8137-9DF3F51BA10A}">
-      <p15:sldGuideLst xmlns="" xmlns:p15="http://schemas.microsoft.com/office/powerpoint/2012/main"/>
+      <p15:sldGuideLst xmlns:p15="http://schemas.microsoft.com/office/powerpoint/2012/main" xmlns=""/>
     </p:ext>
   </p:extLst>
 </p:presentation>
@@ -227,7 +227,7 @@
           <a:p>
             <a:fld id="{00C1DF01-E9E9-4B0D-8D31-8F1887D834E2}" type="datetimeFigureOut">
               <a:rPr lang="zh-CN" altLang="en-US" smtClean="0"/>
-              <a:t>2017/8/31</a:t>
+              <a:t>2017/9/5</a:t>
             </a:fld>
             <a:endParaRPr lang="zh-CN" altLang="en-US"/>
           </a:p>
@@ -5752,7 +5752,7 @@
             <a:fld id="{B61BEF0D-F0BB-DE4B-95CE-6DB70DBA9567}" type="datetimeFigureOut">
               <a:rPr lang="en-US" dirty="0"/>
               <a:pPr/>
-              <a:t>8/31/2017</a:t>
+              <a:t>9/5/2017</a:t>
             </a:fld>
             <a:endParaRPr lang="en-US" dirty="0"/>
           </a:p>
@@ -5977,7 +5977,7 @@
             <a:fld id="{B61BEF0D-F0BB-DE4B-95CE-6DB70DBA9567}" type="datetimeFigureOut">
               <a:rPr lang="en-US" dirty="0"/>
               <a:pPr/>
-              <a:t>8/31/2017</a:t>
+              <a:t>9/5/2017</a:t>
             </a:fld>
             <a:endParaRPr lang="en-US" dirty="0"/>
           </a:p>
@@ -6331,7 +6331,7 @@
             <a:fld id="{B61BEF0D-F0BB-DE4B-95CE-6DB70DBA9567}" type="datetimeFigureOut">
               <a:rPr lang="en-US" dirty="0"/>
               <a:pPr/>
-              <a:t>8/31/2017</a:t>
+              <a:t>9/5/2017</a:t>
             </a:fld>
             <a:endParaRPr lang="en-US" dirty="0"/>
           </a:p>
@@ -6748,7 +6748,7 @@
             <a:fld id="{B61BEF0D-F0BB-DE4B-95CE-6DB70DBA9567}" type="datetimeFigureOut">
               <a:rPr lang="en-US" dirty="0"/>
               <a:pPr/>
-              <a:t>8/31/2017</a:t>
+              <a:t>9/5/2017</a:t>
             </a:fld>
             <a:endParaRPr lang="en-US" dirty="0"/>
           </a:p>
@@ -7100,7 +7100,7 @@
             <a:fld id="{B61BEF0D-F0BB-DE4B-95CE-6DB70DBA9567}" type="datetimeFigureOut">
               <a:rPr lang="en-US" dirty="0"/>
               <a:pPr/>
-              <a:t>8/31/2017</a:t>
+              <a:t>9/5/2017</a:t>
             </a:fld>
             <a:endParaRPr lang="en-US" dirty="0"/>
           </a:p>
@@ -7436,7 +7436,7 @@
             <a:fld id="{B61BEF0D-F0BB-DE4B-95CE-6DB70DBA9567}" type="datetimeFigureOut">
               <a:rPr lang="en-US" dirty="0"/>
               <a:pPr/>
-              <a:t>8/31/2017</a:t>
+              <a:t>9/5/2017</a:t>
             </a:fld>
             <a:endParaRPr lang="en-US" dirty="0"/>
           </a:p>
@@ -7848,7 +7848,7 @@
             <a:fld id="{B61BEF0D-F0BB-DE4B-95CE-6DB70DBA9567}" type="datetimeFigureOut">
               <a:rPr lang="en-US" dirty="0"/>
               <a:pPr/>
-              <a:t>8/31/2017</a:t>
+              <a:t>9/5/2017</a:t>
             </a:fld>
             <a:endParaRPr lang="en-US" dirty="0"/>
           </a:p>
@@ -8121,7 +8121,7 @@
             <a:fld id="{B61BEF0D-F0BB-DE4B-95CE-6DB70DBA9567}" type="datetimeFigureOut">
               <a:rPr lang="en-US" dirty="0"/>
               <a:pPr/>
-              <a:t>8/31/2017</a:t>
+              <a:t>9/5/2017</a:t>
             </a:fld>
             <a:endParaRPr lang="en-US" dirty="0"/>
           </a:p>
@@ -8404,7 +8404,7 @@
             <a:fld id="{B61BEF0D-F0BB-DE4B-95CE-6DB70DBA9567}" type="datetimeFigureOut">
               <a:rPr lang="en-US" dirty="0"/>
               <a:pPr/>
-              <a:t>8/31/2017</a:t>
+              <a:t>9/5/2017</a:t>
             </a:fld>
             <a:endParaRPr lang="en-US" dirty="0"/>
           </a:p>
@@ -8990,7 +8990,7 @@
             <a:fld id="{B61BEF0D-F0BB-DE4B-95CE-6DB70DBA9567}" type="datetimeFigureOut">
               <a:rPr lang="en-US" dirty="0"/>
               <a:pPr/>
-              <a:t>8/31/2017</a:t>
+              <a:t>9/5/2017</a:t>
             </a:fld>
             <a:endParaRPr lang="en-US" dirty="0"/>
           </a:p>
@@ -9329,7 +9329,7 @@
             <a:fld id="{B61BEF0D-F0BB-DE4B-95CE-6DB70DBA9567}" type="datetimeFigureOut">
               <a:rPr lang="en-US" dirty="0"/>
               <a:pPr/>
-              <a:t>8/31/2017</a:t>
+              <a:t>9/5/2017</a:t>
             </a:fld>
             <a:endParaRPr lang="en-US" dirty="0"/>
           </a:p>
@@ -9802,7 +9802,7 @@
             <a:fld id="{B61BEF0D-F0BB-DE4B-95CE-6DB70DBA9567}" type="datetimeFigureOut">
               <a:rPr lang="en-US" dirty="0"/>
               <a:pPr/>
-              <a:t>8/31/2017</a:t>
+              <a:t>9/5/2017</a:t>
             </a:fld>
             <a:endParaRPr lang="en-US" dirty="0"/>
           </a:p>
@@ -10023,7 +10023,7 @@
             <a:fld id="{B61BEF0D-F0BB-DE4B-95CE-6DB70DBA9567}" type="datetimeFigureOut">
               <a:rPr lang="en-US" dirty="0"/>
               <a:pPr/>
-              <a:t>8/31/2017</a:t>
+              <a:t>9/5/2017</a:t>
             </a:fld>
             <a:endParaRPr lang="en-US" dirty="0"/>
           </a:p>
@@ -10221,7 +10221,7 @@
             <a:fld id="{B61BEF0D-F0BB-DE4B-95CE-6DB70DBA9567}" type="datetimeFigureOut">
               <a:rPr lang="en-US" dirty="0"/>
               <a:pPr/>
-              <a:t>8/31/2017</a:t>
+              <a:t>9/5/2017</a:t>
             </a:fld>
             <a:endParaRPr lang="en-US" dirty="0"/>
           </a:p>
@@ -10575,7 +10575,7 @@
             <a:fld id="{B61BEF0D-F0BB-DE4B-95CE-6DB70DBA9567}" type="datetimeFigureOut">
               <a:rPr lang="en-US" dirty="0"/>
               <a:pPr/>
-              <a:t>8/31/2017</a:t>
+              <a:t>9/5/2017</a:t>
             </a:fld>
             <a:endParaRPr lang="en-US" dirty="0"/>
           </a:p>
@@ -25711,8 +25711,12 @@
               <a:t>linux</a:t>
             </a:r>
             <a:r>
+              <a:rPr lang="zh-CN" altLang="zh-CN" smtClean="0"/>
+              <a:t>服务器文件系统</a:t>
+            </a:r>
+            <a:r>
               <a:rPr lang="zh-CN" altLang="zh-CN" dirty="0"/>
-              <a:t>服务器的文件系统的磁盘空间占用情况</a:t>
+              <a:t>的磁盘空间占用情况</a:t>
             </a:r>
           </a:p>
           <a:p>
@@ -28727,7 +28731,7 @@
   <a:extraClrSchemeLst/>
   <a:extLst>
     <a:ext uri="{05A4C25C-085E-4340-85A3-A5531E510DB2}">
-      <thm15:themeFamily xmlns="" xmlns:thm15="http://schemas.microsoft.com/office/thememl/2012/main" name="Wisp" id="{7CB32D59-10C0-40DD-B7BD-2E94284A981C}" vid="{24B1A44C-C006-48B2-A4D7-E5549B3D8CD4}"/>
+      <thm15:themeFamily xmlns:thm15="http://schemas.microsoft.com/office/thememl/2012/main" xmlns="" name="Wisp" id="{7CB32D59-10C0-40DD-B7BD-2E94284A981C}" vid="{24B1A44C-C006-48B2-A4D7-E5549B3D8CD4}"/>
     </a:ext>
   </a:extLst>
 </a:theme>
@@ -28988,7 +28992,7 @@
   <a:extraClrSchemeLst/>
   <a:extLst>
     <a:ext uri="{05A4C25C-085E-4340-85A3-A5531E510DB2}">
-      <thm15:themeFamily xmlns="" xmlns:thm15="http://schemas.microsoft.com/office/thememl/2012/main" name="Office Theme" id="{62F939B6-93AF-4DB8-9C6B-D6C7DFDC589F}" vid="{4A3C46E8-61CC-4603-A589-7422A47A8E4A}"/>
+      <thm15:themeFamily xmlns:thm15="http://schemas.microsoft.com/office/thememl/2012/main" xmlns="" name="Office Theme" id="{62F939B6-93AF-4DB8-9C6B-D6C7DFDC589F}" vid="{4A3C46E8-61CC-4603-A589-7422A47A8E4A}"/>
     </a:ext>
   </a:extLst>
 </a:theme>
